--- a/timers.pptx
+++ b/timers.pptx
@@ -231,7 +231,7 @@
           <a:p>
             <a:fld id="{FA960776-DD9C-4CA1-B52F-F69555253B23}" type="datetimeFigureOut">
               <a:rPr lang="en-US" smtClean="0"/>
-              <a:t>7/8/2021</a:t>
+              <a:t>7/13/2021</a:t>
             </a:fld>
             <a:endParaRPr lang="en-US"/>
           </a:p>
@@ -396,7 +396,7 @@
           <a:p>
             <a:fld id="{117B28C9-C092-4B93-8C1C-CCC07276BB7E}" type="datetimeFigureOut">
               <a:rPr lang="en-US" smtClean="0"/>
-              <a:t>7/8/2021</a:t>
+              <a:t>7/13/2021</a:t>
             </a:fld>
             <a:endParaRPr lang="en-US"/>
           </a:p>
@@ -795,7 +795,7 @@
           <a:p>
             <a:fld id="{2A5E2251-59F4-40B9-B589-7FD156F73A80}" type="datetime1">
               <a:rPr lang="en-US" smtClean="0"/>
-              <a:t>7/8/2021</a:t>
+              <a:t>7/13/2021</a:t>
             </a:fld>
             <a:endParaRPr lang="en-US"/>
           </a:p>
@@ -969,7 +969,7 @@
           <a:p>
             <a:fld id="{89CF80C3-0E08-48A5-B726-C01769596925}" type="datetime1">
               <a:rPr lang="en-US" smtClean="0"/>
-              <a:t>7/8/2021</a:t>
+              <a:t>7/13/2021</a:t>
             </a:fld>
             <a:endParaRPr lang="en-US"/>
           </a:p>
@@ -1153,7 +1153,7 @@
           <a:p>
             <a:fld id="{892E424D-94F6-4CEC-A81F-5E779D7413CC}" type="datetime1">
               <a:rPr lang="en-US" smtClean="0"/>
-              <a:t>7/8/2021</a:t>
+              <a:t>7/13/2021</a:t>
             </a:fld>
             <a:endParaRPr lang="en-US"/>
           </a:p>
@@ -1327,7 +1327,7 @@
           <a:p>
             <a:fld id="{97D9D462-B0B7-4ABA-96C7-E930E507E961}" type="datetime1">
               <a:rPr lang="en-US" smtClean="0"/>
-              <a:t>7/8/2021</a:t>
+              <a:t>7/13/2021</a:t>
             </a:fld>
             <a:endParaRPr lang="en-US"/>
           </a:p>
@@ -1577,7 +1577,7 @@
           <a:p>
             <a:fld id="{3918557C-03DF-4711-B723-5E38B3E9A1E7}" type="datetime1">
               <a:rPr lang="en-US" smtClean="0"/>
-              <a:t>7/8/2021</a:t>
+              <a:t>7/13/2021</a:t>
             </a:fld>
             <a:endParaRPr lang="en-US"/>
           </a:p>
@@ -1813,7 +1813,7 @@
           <a:p>
             <a:fld id="{88336EB4-A409-4FAD-9C75-0FDA2532A29E}" type="datetime1">
               <a:rPr lang="en-US" smtClean="0"/>
-              <a:t>7/8/2021</a:t>
+              <a:t>7/13/2021</a:t>
             </a:fld>
             <a:endParaRPr lang="en-US"/>
           </a:p>
@@ -2184,7 +2184,7 @@
           <a:p>
             <a:fld id="{DEDC10B9-38CE-47F4-A584-8AB9D88C77B6}" type="datetime1">
               <a:rPr lang="en-US" smtClean="0"/>
-              <a:t>7/8/2021</a:t>
+              <a:t>7/13/2021</a:t>
             </a:fld>
             <a:endParaRPr lang="en-US"/>
           </a:p>
@@ -2306,7 +2306,7 @@
           <a:p>
             <a:fld id="{3555007C-9379-46F8-979B-5F3BF56E7AAF}" type="datetime1">
               <a:rPr lang="en-US" smtClean="0"/>
-              <a:t>7/8/2021</a:t>
+              <a:t>7/13/2021</a:t>
             </a:fld>
             <a:endParaRPr lang="en-US"/>
           </a:p>
@@ -2405,7 +2405,7 @@
           <a:p>
             <a:fld id="{DF2E3600-6EBA-4BF3-A90C-7AAC98EC2961}" type="datetime1">
               <a:rPr lang="en-US" smtClean="0"/>
-              <a:t>7/8/2021</a:t>
+              <a:t>7/13/2021</a:t>
             </a:fld>
             <a:endParaRPr lang="en-US"/>
           </a:p>
@@ -2686,7 +2686,7 @@
           <a:p>
             <a:fld id="{58C74F0D-A1EF-4991-AA34-322619835400}" type="datetime1">
               <a:rPr lang="en-US" smtClean="0"/>
-              <a:t>7/8/2021</a:t>
+              <a:t>7/13/2021</a:t>
             </a:fld>
             <a:endParaRPr lang="en-US"/>
           </a:p>
@@ -2943,7 +2943,7 @@
           <a:p>
             <a:fld id="{B940BCD2-4171-4350-A35E-E8DC82A10A4D}" type="datetime1">
               <a:rPr lang="en-US" smtClean="0"/>
-              <a:t>7/8/2021</a:t>
+              <a:t>7/13/2021</a:t>
             </a:fld>
             <a:endParaRPr lang="en-US"/>
           </a:p>
@@ -3160,7 +3160,7 @@
           <a:p>
             <a:fld id="{ABA45DF3-9160-4E03-9CC3-848E1257BAC3}" type="datetime1">
               <a:rPr lang="en-US" smtClean="0"/>
-              <a:t>7/8/2021</a:t>
+              <a:t>7/13/2021</a:t>
             </a:fld>
             <a:endParaRPr lang="en-US"/>
           </a:p>
@@ -3633,12 +3633,12 @@
           <a:p>
             <a:pPr algn="ctr"/>
             <a:r>
-              <a:rPr lang="en-US" b="1" dirty="0" smtClean="0">
+              <a:rPr lang="en-US" b="1" smtClean="0">
                 <a:solidFill>
                   <a:schemeClr val="accent1"/>
                 </a:solidFill>
               </a:rPr>
-              <a:t>Timers</a:t>
+              <a:t>Timers in PIC16F877A</a:t>
             </a:r>
             <a:endParaRPr lang="en-IN" b="1" dirty="0">
               <a:solidFill>
@@ -3976,7 +3976,6 @@
               <a:rPr lang="en-US" sz="2000" dirty="0"/>
               <a:t> value is written to TMR0 register.</a:t>
             </a:r>
-            <a:endParaRPr lang="en-US" sz="2000" dirty="0"/>
           </a:p>
         </p:txBody>
       </p:sp>
@@ -4189,11 +4188,7 @@
             </a:br>
             <a:r>
               <a:rPr lang="en-US" sz="2000" dirty="0"/>
-              <a:t>application should be defined by the user for defining the time the following formula is used</a:t>
-            </a:r>
-            <a:r>
-              <a:rPr lang="en-US" sz="2000" dirty="0"/>
-              <a:t> </a:t>
+              <a:t>application should be defined by the user for defining the time the following formula is used </a:t>
             </a:r>
             <a:br>
               <a:rPr lang="en-US" sz="2000" dirty="0"/>
@@ -4313,11 +4308,7 @@
             </a:pPr>
             <a:r>
               <a:rPr lang="en-US" sz="2000" dirty="0"/>
-              <a:t>If we want </a:t>
-            </a:r>
-            <a:r>
-              <a:rPr lang="en-US" sz="2000" dirty="0"/>
-              <a:t>1</a:t>
+              <a:t>If we want 1</a:t>
             </a:r>
             <a:r>
               <a:rPr lang="en-US" sz="2000" dirty="0" smtClean="0"/>
@@ -4332,11 +4323,7 @@
             </a:br>
             <a:r>
               <a:rPr lang="en-US" sz="2000" dirty="0"/>
-              <a:t>attain the desired </a:t>
-            </a:r>
-            <a:r>
-              <a:rPr lang="en-US" sz="2000" dirty="0"/>
-              <a:t>1</a:t>
+              <a:t>attain the desired 1</a:t>
             </a:r>
             <a:r>
               <a:rPr lang="en-US" sz="2000" dirty="0" smtClean="0"/>
@@ -4348,11 +4335,7 @@
             </a:r>
             <a:r>
               <a:rPr lang="en-US" sz="2000" dirty="0"/>
-              <a:t>.</a:t>
-            </a:r>
-            <a:r>
-              <a:rPr lang="en-US" sz="2000" dirty="0"/>
-              <a:t> </a:t>
+              <a:t>. </a:t>
             </a:r>
             <a:br>
               <a:rPr lang="en-US" sz="2000" dirty="0"/>
@@ -6669,7 +6652,6 @@
               <a:rPr lang="en-US" sz="2000" dirty="0"/>
               <a:t>Second Crystal Permitted</a:t>
             </a:r>
-            <a:endParaRPr lang="en-US" sz="2000" dirty="0"/>
           </a:p>
         </p:txBody>
       </p:sp>
@@ -6827,14 +6809,6 @@
               </a:rPr>
               <a:t>T1CON: Timer1 Control Register</a:t>
             </a:r>
-            <a:endParaRPr lang="en-US" sz="2800" b="1" dirty="0" smtClean="0">
-              <a:solidFill>
-                <a:schemeClr val="accent1">
-                  <a:lumMod val="75000"/>
-                </a:schemeClr>
-              </a:solidFill>
-              <a:latin typeface="Facto Bold" panose="00000800000000000000" pitchFamily="50" charset="0"/>
-            </a:endParaRPr>
           </a:p>
         </p:txBody>
       </p:sp>
@@ -7302,7 +7276,6 @@
               <a:rPr lang="en-US" sz="2000" dirty="0"/>
               <a:t>Another bit of the AND gate is TMR1 ON bit. If TMRI becomes 1 then the clock moves to the TMR1 register and it will become 0 the AND gate also becomes 0(TMR1 will not counting).</a:t>
             </a:r>
-            <a:endParaRPr lang="en-US" sz="2000" dirty="0"/>
           </a:p>
         </p:txBody>
       </p:sp>
@@ -7647,11 +7620,7 @@
             </a:pPr>
             <a:r>
               <a:rPr lang="en-US" sz="2000" dirty="0"/>
-              <a:t>If we want </a:t>
-            </a:r>
-            <a:r>
-              <a:rPr lang="en-US" sz="2000" dirty="0"/>
-              <a:t>2</a:t>
+              <a:t>If we want 2</a:t>
             </a:r>
             <a:r>
               <a:rPr lang="en-US" sz="2000" dirty="0" smtClean="0"/>
@@ -7666,11 +7635,7 @@
             </a:br>
             <a:r>
               <a:rPr lang="en-US" sz="2000" dirty="0"/>
-              <a:t>attain the desired </a:t>
-            </a:r>
-            <a:r>
-              <a:rPr lang="en-US" sz="2000" dirty="0"/>
-              <a:t>2</a:t>
+              <a:t>attain the desired 2</a:t>
             </a:r>
             <a:r>
               <a:rPr lang="en-US" sz="2000" dirty="0" smtClean="0"/>
@@ -7682,11 +7647,7 @@
             </a:r>
             <a:r>
               <a:rPr lang="en-US" sz="2000" dirty="0"/>
-              <a:t>.</a:t>
-            </a:r>
-            <a:r>
-              <a:rPr lang="en-US" sz="2000" dirty="0"/>
-              <a:t> </a:t>
+              <a:t>. </a:t>
             </a:r>
             <a:br>
               <a:rPr lang="en-US" sz="2000" dirty="0"/>
@@ -8043,14 +8004,6 @@
               </a:rPr>
               <a:t>What is timers ?</a:t>
             </a:r>
-            <a:endParaRPr lang="en-US" sz="2800" b="1" dirty="0" smtClean="0">
-              <a:solidFill>
-                <a:schemeClr val="accent1">
-                  <a:lumMod val="75000"/>
-                </a:schemeClr>
-              </a:solidFill>
-              <a:latin typeface="Facto Bold" panose="00000800000000000000" pitchFamily="50" charset="0"/>
-            </a:endParaRPr>
           </a:p>
         </p:txBody>
       </p:sp>
@@ -8141,7 +8094,6 @@
               <a:rPr lang="en-US" sz="2000" dirty="0"/>
               <a:t>timer is used to count cycles and perform a particular action at a specified moment or optionally start an interrupt cycle. </a:t>
             </a:r>
-            <a:endParaRPr lang="en-US" sz="2000" dirty="0"/>
           </a:p>
           <a:p>
             <a:pPr marL="457200" lvl="0" indent="-457200">
@@ -8188,7 +8140,6 @@
               <a:rPr lang="en-US" sz="2000" dirty="0"/>
               <a:t>Physically, timer is a register whose value is continually increasing to 255, and then it starts all over again: 0, 1, 2, 3, 4...255....0, 1, 2, 3......etc.</a:t>
             </a:r>
-            <a:endParaRPr lang="en-US" sz="2000" dirty="0"/>
           </a:p>
         </p:txBody>
       </p:sp>
@@ -9274,14 +9225,6 @@
               </a:rPr>
               <a:t>Timer 2</a:t>
             </a:r>
-            <a:endParaRPr lang="en-US" sz="2800" b="1" dirty="0" smtClean="0">
-              <a:solidFill>
-                <a:schemeClr val="accent1">
-                  <a:lumMod val="75000"/>
-                </a:schemeClr>
-              </a:solidFill>
-              <a:latin typeface="Facto Bold" panose="00000800000000000000" pitchFamily="50" charset="0"/>
-            </a:endParaRPr>
           </a:p>
         </p:txBody>
       </p:sp>
@@ -9446,7 +9389,6 @@
               <a:rPr lang="en-US" sz="2000" dirty="0"/>
               <a:t>Interrupt on overflow</a:t>
             </a:r>
-            <a:endParaRPr lang="en-US" sz="2000" dirty="0"/>
           </a:p>
         </p:txBody>
       </p:sp>
@@ -9615,14 +9557,6 @@
               </a:rPr>
               <a:t>Timer2 Control Register </a:t>
             </a:r>
-            <a:endParaRPr lang="en-US" sz="2800" b="1" dirty="0" smtClean="0">
-              <a:solidFill>
-                <a:schemeClr val="accent1">
-                  <a:lumMod val="75000"/>
-                </a:schemeClr>
-              </a:solidFill>
-              <a:latin typeface="Facto Bold" panose="00000800000000000000" pitchFamily="50" charset="0"/>
-            </a:endParaRPr>
           </a:p>
         </p:txBody>
       </p:sp>
@@ -10104,7 +10038,6 @@
               <a:rPr lang="en-US" sz="2000" dirty="0"/>
               <a:t> bit obtains any of the value, it will generate some delay and TMR2 Interrupt Flag bit set.</a:t>
             </a:r>
-            <a:endParaRPr lang="en-US" sz="2000" dirty="0"/>
           </a:p>
         </p:txBody>
       </p:sp>
@@ -10499,11 +10432,7 @@
             </a:r>
             <a:r>
               <a:rPr lang="en-US" sz="2000" dirty="0"/>
-              <a:t> will be 1:16, Set the TMR1=0 and PR2=255.</a:t>
-            </a:r>
-            <a:r>
-              <a:rPr lang="en-US" sz="2000" dirty="0"/>
-              <a:t> </a:t>
+              <a:t> will be 1:16, Set the TMR1=0 and PR2=255. </a:t>
             </a:r>
             <a:br>
               <a:rPr lang="en-US" sz="2000" dirty="0"/>
@@ -11187,14 +11116,6 @@
               </a:rPr>
               <a:t>Heading</a:t>
             </a:r>
-            <a:endParaRPr lang="en-US" sz="2800" b="1" dirty="0" smtClean="0">
-              <a:solidFill>
-                <a:schemeClr val="accent1">
-                  <a:lumMod val="75000"/>
-                </a:schemeClr>
-              </a:solidFill>
-              <a:latin typeface="Facto Bold" panose="00000800000000000000" pitchFamily="50" charset="0"/>
-            </a:endParaRPr>
           </a:p>
         </p:txBody>
       </p:sp>
@@ -11808,14 +11729,6 @@
               </a:rPr>
               <a:t>Heading</a:t>
             </a:r>
-            <a:endParaRPr lang="en-US" sz="2800" b="1" dirty="0" smtClean="0">
-              <a:solidFill>
-                <a:schemeClr val="accent1">
-                  <a:lumMod val="75000"/>
-                </a:schemeClr>
-              </a:solidFill>
-              <a:latin typeface="Facto Bold" panose="00000800000000000000" pitchFamily="50" charset="0"/>
-            </a:endParaRPr>
           </a:p>
         </p:txBody>
       </p:sp>
@@ -12330,14 +12243,6 @@
               </a:rPr>
               <a:t>Heading</a:t>
             </a:r>
-            <a:endParaRPr lang="en-US" sz="2800" b="1" dirty="0" smtClean="0">
-              <a:solidFill>
-                <a:schemeClr val="accent1">
-                  <a:lumMod val="75000"/>
-                </a:schemeClr>
-              </a:solidFill>
-              <a:latin typeface="Facto Bold" panose="00000800000000000000" pitchFamily="50" charset="0"/>
-            </a:endParaRPr>
           </a:p>
         </p:txBody>
       </p:sp>
@@ -12538,14 +12443,6 @@
               </a:rPr>
               <a:t>Heading</a:t>
             </a:r>
-            <a:endParaRPr lang="en-US" sz="2800" b="1" dirty="0" smtClean="0">
-              <a:solidFill>
-                <a:schemeClr val="accent1">
-                  <a:lumMod val="75000"/>
-                </a:schemeClr>
-              </a:solidFill>
-              <a:latin typeface="Facto Bold" panose="00000800000000000000" pitchFamily="50" charset="0"/>
-            </a:endParaRPr>
           </a:p>
         </p:txBody>
       </p:sp>
@@ -12746,14 +12643,6 @@
               </a:rPr>
               <a:t>Heading</a:t>
             </a:r>
-            <a:endParaRPr lang="en-US" sz="2800" b="1" dirty="0" smtClean="0">
-              <a:solidFill>
-                <a:schemeClr val="accent1">
-                  <a:lumMod val="75000"/>
-                </a:schemeClr>
-              </a:solidFill>
-              <a:latin typeface="Facto Bold" panose="00000800000000000000" pitchFamily="50" charset="0"/>
-            </a:endParaRPr>
           </a:p>
         </p:txBody>
       </p:sp>
@@ -12954,14 +12843,6 @@
               </a:rPr>
               <a:t>Timer0 </a:t>
             </a:r>
-            <a:endParaRPr lang="en-US" sz="2800" b="1" dirty="0" smtClean="0">
-              <a:solidFill>
-                <a:schemeClr val="accent1">
-                  <a:lumMod val="75000"/>
-                </a:schemeClr>
-              </a:solidFill>
-              <a:latin typeface="Facto Bold" panose="00000800000000000000" pitchFamily="50" charset="0"/>
-            </a:endParaRPr>
           </a:p>
         </p:txBody>
       </p:sp>
@@ -13894,7 +13775,6 @@
               <a:rPr lang="en-US" sz="2000" dirty="0"/>
               <a:t>This interrupt is called as the Timer Interrupt. This interrupt informs the MCU that this particular time has lapped.</a:t>
             </a:r>
-            <a:endParaRPr lang="en-US" sz="2000" dirty="0"/>
           </a:p>
         </p:txBody>
       </p:sp>
@@ -13951,14 +13831,6 @@
               </a:rPr>
               <a:t>Timer Interrupt</a:t>
             </a:r>
-            <a:endParaRPr lang="en-US" sz="2800" b="1" dirty="0" smtClean="0">
-              <a:solidFill>
-                <a:schemeClr val="accent1">
-                  <a:lumMod val="75000"/>
-                </a:schemeClr>
-              </a:solidFill>
-              <a:latin typeface="Facto Bold" panose="00000800000000000000" pitchFamily="50" charset="0"/>
-            </a:endParaRPr>
           </a:p>
         </p:txBody>
       </p:sp>
@@ -14681,14 +14553,6 @@
               </a:rPr>
               <a:t>OPTION_REG</a:t>
             </a:r>
-            <a:endParaRPr lang="en-US" sz="2800" b="1" dirty="0" smtClean="0">
-              <a:solidFill>
-                <a:schemeClr val="accent1">
-                  <a:lumMod val="75000"/>
-                </a:schemeClr>
-              </a:solidFill>
-              <a:latin typeface="Facto Bold" panose="00000800000000000000" pitchFamily="50" charset="0"/>
-            </a:endParaRPr>
           </a:p>
         </p:txBody>
       </p:sp>
